--- a/docpac_03160922/Weekly Review.pptx
+++ b/docpac_03160922/Weekly Review.pptx
@@ -6,10 +6,11 @@
   </p:sldMasterIdLst>
   <p:sldIdLst>
     <p:sldId id="256" r:id="rId5"/>
-    <p:sldId id="257" r:id="rId6"/>
-    <p:sldId id="260" r:id="rId7"/>
-    <p:sldId id="264" r:id="rId8"/>
-    <p:sldId id="269" r:id="rId9"/>
+    <p:sldId id="270" r:id="rId6"/>
+    <p:sldId id="257" r:id="rId7"/>
+    <p:sldId id="260" r:id="rId8"/>
+    <p:sldId id="264" r:id="rId9"/>
+    <p:sldId id="269" r:id="rId10"/>
   </p:sldIdLst>
   <p:sldSz cx="12192000" cy="6858000"/>
   <p:notesSz cx="6858000" cy="9144000"/>
@@ -151,7 +152,7 @@
   <pc:docChgLst>
     <pc:chgData name="SMITH, CHRISTOPHER" userId="dd7fc2d5-9988-40ef-9498-c94fd49fd9a4" providerId="ADAL" clId="{7D283E37-09F9-4DA8-A504-3BA28B73B2AF}"/>
     <pc:docChg chg="custSel addSld delSld modSld sldOrd">
-      <pc:chgData name="SMITH, CHRISTOPHER" userId="dd7fc2d5-9988-40ef-9498-c94fd49fd9a4" providerId="ADAL" clId="{7D283E37-09F9-4DA8-A504-3BA28B73B2AF}" dt="2022-09-12T02:12:59.472" v="1901"/>
+      <pc:chgData name="SMITH, CHRISTOPHER" userId="dd7fc2d5-9988-40ef-9498-c94fd49fd9a4" providerId="ADAL" clId="{7D283E37-09F9-4DA8-A504-3BA28B73B2AF}" dt="2022-09-12T10:38:30.338" v="2426"/>
       <pc:docMkLst>
         <pc:docMk/>
       </pc:docMkLst>
@@ -237,13 +238,13 @@
         </pc:sldMkLst>
       </pc:sldChg>
       <pc:sldChg chg="modSp ord modAnim">
-        <pc:chgData name="SMITH, CHRISTOPHER" userId="dd7fc2d5-9988-40ef-9498-c94fd49fd9a4" providerId="ADAL" clId="{7D283E37-09F9-4DA8-A504-3BA28B73B2AF}" dt="2022-09-12T02:04:58.099" v="955"/>
+        <pc:chgData name="SMITH, CHRISTOPHER" userId="dd7fc2d5-9988-40ef-9498-c94fd49fd9a4" providerId="ADAL" clId="{7D283E37-09F9-4DA8-A504-3BA28B73B2AF}" dt="2022-09-12T10:38:06.450" v="2425" actId="20577"/>
         <pc:sldMkLst>
           <pc:docMk/>
           <pc:sldMk cId="2277716882" sldId="264"/>
         </pc:sldMkLst>
         <pc:spChg chg="mod">
-          <ac:chgData name="SMITH, CHRISTOPHER" userId="dd7fc2d5-9988-40ef-9498-c94fd49fd9a4" providerId="ADAL" clId="{7D283E37-09F9-4DA8-A504-3BA28B73B2AF}" dt="2022-09-12T02:04:24.194" v="954" actId="20577"/>
+          <ac:chgData name="SMITH, CHRISTOPHER" userId="dd7fc2d5-9988-40ef-9498-c94fd49fd9a4" providerId="ADAL" clId="{7D283E37-09F9-4DA8-A504-3BA28B73B2AF}" dt="2022-09-12T10:38:06.450" v="2425" actId="20577"/>
           <ac:spMkLst>
             <pc:docMk/>
             <pc:sldMk cId="2277716882" sldId="264"/>
@@ -309,6 +310,29 @@
           <pc:sldMk cId="4238318662" sldId="269"/>
         </pc:sldMkLst>
       </pc:sldChg>
+      <pc:sldChg chg="modSp add modAnim">
+        <pc:chgData name="SMITH, CHRISTOPHER" userId="dd7fc2d5-9988-40ef-9498-c94fd49fd9a4" providerId="ADAL" clId="{7D283E37-09F9-4DA8-A504-3BA28B73B2AF}" dt="2022-09-12T10:38:30.338" v="2426"/>
+        <pc:sldMkLst>
+          <pc:docMk/>
+          <pc:sldMk cId="4243443581" sldId="270"/>
+        </pc:sldMkLst>
+        <pc:spChg chg="mod">
+          <ac:chgData name="SMITH, CHRISTOPHER" userId="dd7fc2d5-9988-40ef-9498-c94fd49fd9a4" providerId="ADAL" clId="{7D283E37-09F9-4DA8-A504-3BA28B73B2AF}" dt="2022-09-12T10:35:31.266" v="1915" actId="20577"/>
+          <ac:spMkLst>
+            <pc:docMk/>
+            <pc:sldMk cId="4243443581" sldId="270"/>
+            <ac:spMk id="2" creationId="{8A962297-B56B-4291-B189-DBFD81520401}"/>
+          </ac:spMkLst>
+        </pc:spChg>
+        <pc:spChg chg="mod">
+          <ac:chgData name="SMITH, CHRISTOPHER" userId="dd7fc2d5-9988-40ef-9498-c94fd49fd9a4" providerId="ADAL" clId="{7D283E37-09F9-4DA8-A504-3BA28B73B2AF}" dt="2022-09-12T10:36:39.021" v="2153" actId="20577"/>
+          <ac:spMkLst>
+            <pc:docMk/>
+            <pc:sldMk cId="4243443581" sldId="270"/>
+            <ac:spMk id="3" creationId="{578DF547-EE1C-490B-88FC-9C2802776DDF}"/>
+          </ac:spMkLst>
+        </pc:spChg>
+      </pc:sldChg>
     </pc:docChg>
   </pc:docChgLst>
 </pc:chgInfo>
@@ -461,7 +485,7 @@
           <a:p>
             <a:fld id="{E92CAF5B-880A-4DD6-AFB0-11ADF64410C7}" type="datetimeFigureOut">
               <a:rPr lang="en-US" smtClean="0"/>
-              <a:t>9/11/2022</a:t>
+              <a:t>9/12/2022</a:t>
             </a:fld>
             <a:endParaRPr lang="en-US"/>
           </a:p>
@@ -659,7 +683,7 @@
           <a:p>
             <a:fld id="{E92CAF5B-880A-4DD6-AFB0-11ADF64410C7}" type="datetimeFigureOut">
               <a:rPr lang="en-US" smtClean="0"/>
-              <a:t>9/11/2022</a:t>
+              <a:t>9/12/2022</a:t>
             </a:fld>
             <a:endParaRPr lang="en-US"/>
           </a:p>
@@ -867,7 +891,7 @@
           <a:p>
             <a:fld id="{E92CAF5B-880A-4DD6-AFB0-11ADF64410C7}" type="datetimeFigureOut">
               <a:rPr lang="en-US" smtClean="0"/>
-              <a:t>9/11/2022</a:t>
+              <a:t>9/12/2022</a:t>
             </a:fld>
             <a:endParaRPr lang="en-US"/>
           </a:p>
@@ -1065,7 +1089,7 @@
           <a:p>
             <a:fld id="{E92CAF5B-880A-4DD6-AFB0-11ADF64410C7}" type="datetimeFigureOut">
               <a:rPr lang="en-US" smtClean="0"/>
-              <a:t>9/11/2022</a:t>
+              <a:t>9/12/2022</a:t>
             </a:fld>
             <a:endParaRPr lang="en-US"/>
           </a:p>
@@ -1340,7 +1364,7 @@
           <a:p>
             <a:fld id="{E92CAF5B-880A-4DD6-AFB0-11ADF64410C7}" type="datetimeFigureOut">
               <a:rPr lang="en-US" smtClean="0"/>
-              <a:t>9/11/2022</a:t>
+              <a:t>9/12/2022</a:t>
             </a:fld>
             <a:endParaRPr lang="en-US"/>
           </a:p>
@@ -1605,7 +1629,7 @@
           <a:p>
             <a:fld id="{E92CAF5B-880A-4DD6-AFB0-11ADF64410C7}" type="datetimeFigureOut">
               <a:rPr lang="en-US" smtClean="0"/>
-              <a:t>9/11/2022</a:t>
+              <a:t>9/12/2022</a:t>
             </a:fld>
             <a:endParaRPr lang="en-US"/>
           </a:p>
@@ -2017,7 +2041,7 @@
           <a:p>
             <a:fld id="{E92CAF5B-880A-4DD6-AFB0-11ADF64410C7}" type="datetimeFigureOut">
               <a:rPr lang="en-US" smtClean="0"/>
-              <a:t>9/11/2022</a:t>
+              <a:t>9/12/2022</a:t>
             </a:fld>
             <a:endParaRPr lang="en-US"/>
           </a:p>
@@ -2158,7 +2182,7 @@
           <a:p>
             <a:fld id="{E92CAF5B-880A-4DD6-AFB0-11ADF64410C7}" type="datetimeFigureOut">
               <a:rPr lang="en-US" smtClean="0"/>
-              <a:t>9/11/2022</a:t>
+              <a:t>9/12/2022</a:t>
             </a:fld>
             <a:endParaRPr lang="en-US"/>
           </a:p>
@@ -2271,7 +2295,7 @@
           <a:p>
             <a:fld id="{E92CAF5B-880A-4DD6-AFB0-11ADF64410C7}" type="datetimeFigureOut">
               <a:rPr lang="en-US" smtClean="0"/>
-              <a:t>9/11/2022</a:t>
+              <a:t>9/12/2022</a:t>
             </a:fld>
             <a:endParaRPr lang="en-US"/>
           </a:p>
@@ -2582,7 +2606,7 @@
           <a:p>
             <a:fld id="{E92CAF5B-880A-4DD6-AFB0-11ADF64410C7}" type="datetimeFigureOut">
               <a:rPr lang="en-US" smtClean="0"/>
-              <a:t>9/11/2022</a:t>
+              <a:t>9/12/2022</a:t>
             </a:fld>
             <a:endParaRPr lang="en-US"/>
           </a:p>
@@ -2870,7 +2894,7 @@
           <a:p>
             <a:fld id="{E92CAF5B-880A-4DD6-AFB0-11ADF64410C7}" type="datetimeFigureOut">
               <a:rPr lang="en-US" smtClean="0"/>
-              <a:t>9/11/2022</a:t>
+              <a:t>9/12/2022</a:t>
             </a:fld>
             <a:endParaRPr lang="en-US"/>
           </a:p>
@@ -3111,7 +3135,7 @@
           <a:p>
             <a:fld id="{E92CAF5B-880A-4DD6-AFB0-11ADF64410C7}" type="datetimeFigureOut">
               <a:rPr lang="en-US" smtClean="0"/>
-              <a:t>9/11/2022</a:t>
+              <a:t>9/12/2022</a:t>
             </a:fld>
             <a:endParaRPr lang="en-US"/>
           </a:p>
@@ -3632,6 +3656,275 @@
           <p:cNvPr id="2" name="Title 1">
             <a:extLst>
               <a:ext uri="{FF2B5EF4-FFF2-40B4-BE49-F238E27FC236}">
+                <a16:creationId xmlns:a16="http://schemas.microsoft.com/office/drawing/2014/main" id="{8A962297-B56B-4291-B189-DBFD81520401}"/>
+              </a:ext>
+            </a:extLst>
+          </p:cNvPr>
+          <p:cNvSpPr>
+            <a:spLocks noGrp="1"/>
+          </p:cNvSpPr>
+          <p:nvPr>
+            <p:ph type="title"/>
+          </p:nvPr>
+        </p:nvSpPr>
+        <p:spPr/>
+        <p:txBody>
+          <a:bodyPr/>
+          <a:lstStyle/>
+          <a:p>
+            <a:r>
+              <a:rPr lang="en-US" dirty="0"/>
+              <a:t>I am out sick</a:t>
+            </a:r>
+          </a:p>
+        </p:txBody>
+      </p:sp>
+      <p:sp>
+        <p:nvSpPr>
+          <p:cNvPr id="3" name="Content Placeholder 2">
+            <a:extLst>
+              <a:ext uri="{FF2B5EF4-FFF2-40B4-BE49-F238E27FC236}">
+                <a16:creationId xmlns:a16="http://schemas.microsoft.com/office/drawing/2014/main" id="{578DF547-EE1C-490B-88FC-9C2802776DDF}"/>
+              </a:ext>
+            </a:extLst>
+          </p:cNvPr>
+          <p:cNvSpPr>
+            <a:spLocks noGrp="1"/>
+          </p:cNvSpPr>
+          <p:nvPr>
+            <p:ph idx="1"/>
+          </p:nvPr>
+        </p:nvSpPr>
+        <p:spPr/>
+        <p:txBody>
+          <a:bodyPr/>
+          <a:lstStyle/>
+          <a:p>
+            <a:r>
+              <a:rPr lang="en-US" dirty="0"/>
+              <a:t>Got an itchy throat and fatigue.</a:t>
+            </a:r>
+          </a:p>
+          <a:p>
+            <a:pPr lvl="1"/>
+            <a:r>
+              <a:rPr lang="en-US" dirty="0"/>
+              <a:t>If this was a pre-</a:t>
+            </a:r>
+            <a:r>
+              <a:rPr lang="en-US" dirty="0" err="1"/>
+              <a:t>covid</a:t>
+            </a:r>
+            <a:r>
+              <a:rPr lang="en-US" dirty="0"/>
+              <a:t> world I would have just come to class</a:t>
+            </a:r>
+          </a:p>
+          <a:p>
+            <a:r>
+              <a:rPr lang="en-US" dirty="0"/>
+              <a:t>Please check your Schoology and Microsoft teams</a:t>
+            </a:r>
+          </a:p>
+        </p:txBody>
+      </p:sp>
+    </p:spTree>
+    <p:extLst>
+      <p:ext uri="{BB962C8B-B14F-4D97-AF65-F5344CB8AC3E}">
+        <p14:creationId xmlns:p14="http://schemas.microsoft.com/office/powerpoint/2010/main" val="4243443581"/>
+      </p:ext>
+    </p:extLst>
+  </p:cSld>
+  <p:clrMapOvr>
+    <a:masterClrMapping/>
+  </p:clrMapOvr>
+  <p:timing>
+    <p:tnLst>
+      <p:par>
+        <p:cTn id="1" dur="indefinite" restart="never" nodeType="tmRoot">
+          <p:childTnLst>
+            <p:seq concurrent="1" nextAc="seek">
+              <p:cTn id="2" dur="indefinite" nodeType="mainSeq">
+                <p:childTnLst>
+                  <p:par>
+                    <p:cTn id="3" fill="hold">
+                      <p:stCondLst>
+                        <p:cond delay="indefinite"/>
+                      </p:stCondLst>
+                      <p:childTnLst>
+                        <p:par>
+                          <p:cTn id="4" fill="hold">
+                            <p:stCondLst>
+                              <p:cond delay="0"/>
+                            </p:stCondLst>
+                            <p:childTnLst>
+                              <p:par>
+                                <p:cTn id="5" presetID="1" presetClass="entr" presetSubtype="0" fill="hold" grpId="0" nodeType="clickEffect">
+                                  <p:stCondLst>
+                                    <p:cond delay="0"/>
+                                  </p:stCondLst>
+                                  <p:childTnLst>
+                                    <p:set>
+                                      <p:cBhvr>
+                                        <p:cTn id="6" dur="1" fill="hold">
+                                          <p:stCondLst>
+                                            <p:cond delay="0"/>
+                                          </p:stCondLst>
+                                        </p:cTn>
+                                        <p:tgtEl>
+                                          <p:spTgt spid="3">
+                                            <p:txEl>
+                                              <p:pRg st="0" end="0"/>
+                                            </p:txEl>
+                                          </p:spTgt>
+                                        </p:tgtEl>
+                                        <p:attrNameLst>
+                                          <p:attrName>style.visibility</p:attrName>
+                                        </p:attrNameLst>
+                                      </p:cBhvr>
+                                      <p:to>
+                                        <p:strVal val="visible"/>
+                                      </p:to>
+                                    </p:set>
+                                  </p:childTnLst>
+                                </p:cTn>
+                              </p:par>
+                              <p:par>
+                                <p:cTn id="7" presetID="1" presetClass="entr" presetSubtype="0" fill="hold" grpId="0" nodeType="withEffect">
+                                  <p:stCondLst>
+                                    <p:cond delay="0"/>
+                                  </p:stCondLst>
+                                  <p:childTnLst>
+                                    <p:set>
+                                      <p:cBhvr>
+                                        <p:cTn id="8" dur="1" fill="hold">
+                                          <p:stCondLst>
+                                            <p:cond delay="0"/>
+                                          </p:stCondLst>
+                                        </p:cTn>
+                                        <p:tgtEl>
+                                          <p:spTgt spid="3">
+                                            <p:txEl>
+                                              <p:pRg st="1" end="1"/>
+                                            </p:txEl>
+                                          </p:spTgt>
+                                        </p:tgtEl>
+                                        <p:attrNameLst>
+                                          <p:attrName>style.visibility</p:attrName>
+                                        </p:attrNameLst>
+                                      </p:cBhvr>
+                                      <p:to>
+                                        <p:strVal val="visible"/>
+                                      </p:to>
+                                    </p:set>
+                                  </p:childTnLst>
+                                </p:cTn>
+                              </p:par>
+                            </p:childTnLst>
+                          </p:cTn>
+                        </p:par>
+                      </p:childTnLst>
+                    </p:cTn>
+                  </p:par>
+                  <p:par>
+                    <p:cTn id="9" fill="hold">
+                      <p:stCondLst>
+                        <p:cond delay="indefinite"/>
+                      </p:stCondLst>
+                      <p:childTnLst>
+                        <p:par>
+                          <p:cTn id="10" fill="hold">
+                            <p:stCondLst>
+                              <p:cond delay="0"/>
+                            </p:stCondLst>
+                            <p:childTnLst>
+                              <p:par>
+                                <p:cTn id="11" presetID="1" presetClass="entr" presetSubtype="0" fill="hold" grpId="0" nodeType="clickEffect">
+                                  <p:stCondLst>
+                                    <p:cond delay="0"/>
+                                  </p:stCondLst>
+                                  <p:childTnLst>
+                                    <p:set>
+                                      <p:cBhvr>
+                                        <p:cTn id="12" dur="1" fill="hold">
+                                          <p:stCondLst>
+                                            <p:cond delay="0"/>
+                                          </p:stCondLst>
+                                        </p:cTn>
+                                        <p:tgtEl>
+                                          <p:spTgt spid="3">
+                                            <p:txEl>
+                                              <p:pRg st="2" end="2"/>
+                                            </p:txEl>
+                                          </p:spTgt>
+                                        </p:tgtEl>
+                                        <p:attrNameLst>
+                                          <p:attrName>style.visibility</p:attrName>
+                                        </p:attrNameLst>
+                                      </p:cBhvr>
+                                      <p:to>
+                                        <p:strVal val="visible"/>
+                                      </p:to>
+                                    </p:set>
+                                  </p:childTnLst>
+                                </p:cTn>
+                              </p:par>
+                            </p:childTnLst>
+                          </p:cTn>
+                        </p:par>
+                      </p:childTnLst>
+                    </p:cTn>
+                  </p:par>
+                </p:childTnLst>
+              </p:cTn>
+              <p:prevCondLst>
+                <p:cond evt="onPrev" delay="0">
+                  <p:tgtEl>
+                    <p:sldTgt/>
+                  </p:tgtEl>
+                </p:cond>
+              </p:prevCondLst>
+              <p:nextCondLst>
+                <p:cond evt="onNext" delay="0">
+                  <p:tgtEl>
+                    <p:sldTgt/>
+                  </p:tgtEl>
+                </p:cond>
+              </p:nextCondLst>
+            </p:seq>
+          </p:childTnLst>
+        </p:cTn>
+      </p:par>
+    </p:tnLst>
+    <p:bldLst>
+      <p:bldP spid="3" grpId="0" build="p"/>
+    </p:bldLst>
+  </p:timing>
+</p:sld>
+</file>
+
+<file path=ppt/slides/slide3.xml><?xml version="1.0" encoding="utf-8"?>
+<p:sld xmlns:a="http://schemas.openxmlformats.org/drawingml/2006/main" xmlns:r="http://schemas.openxmlformats.org/officeDocument/2006/relationships" xmlns:p="http://schemas.openxmlformats.org/presentationml/2006/main">
+  <p:cSld>
+    <p:spTree>
+      <p:nvGrpSpPr>
+        <p:cNvPr id="1" name=""/>
+        <p:cNvGrpSpPr/>
+        <p:nvPr/>
+      </p:nvGrpSpPr>
+      <p:grpSpPr>
+        <a:xfrm>
+          <a:off x="0" y="0"/>
+          <a:ext cx="0" cy="0"/>
+          <a:chOff x="0" y="0"/>
+          <a:chExt cx="0" cy="0"/>
+        </a:xfrm>
+      </p:grpSpPr>
+      <p:sp>
+        <p:nvSpPr>
+          <p:cNvPr id="2" name="Title 1">
+            <a:extLst>
+              <a:ext uri="{FF2B5EF4-FFF2-40B4-BE49-F238E27FC236}">
                 <a16:creationId xmlns:a16="http://schemas.microsoft.com/office/drawing/2014/main" id="{B0DFCF5C-50BB-4E76-B3FD-DD7D974ECE50}"/>
               </a:ext>
             </a:extLst>
@@ -3778,7 +4071,7 @@
 </p:sld>
 </file>
 
-<file path=ppt/slides/slide3.xml><?xml version="1.0" encoding="utf-8"?>
+<file path=ppt/slides/slide4.xml><?xml version="1.0" encoding="utf-8"?>
 <p:sld xmlns:a="http://schemas.openxmlformats.org/drawingml/2006/main" xmlns:r="http://schemas.openxmlformats.org/officeDocument/2006/relationships" xmlns:p="http://schemas.openxmlformats.org/presentationml/2006/main">
   <p:cSld>
     <p:spTree>
@@ -4333,7 +4626,7 @@
 </p:sld>
 </file>
 
-<file path=ppt/slides/slide4.xml><?xml version="1.0" encoding="utf-8"?>
+<file path=ppt/slides/slide5.xml><?xml version="1.0" encoding="utf-8"?>
 <p:sld xmlns:a="http://schemas.openxmlformats.org/drawingml/2006/main" xmlns:r="http://schemas.openxmlformats.org/officeDocument/2006/relationships" xmlns:p="http://schemas.openxmlformats.org/presentationml/2006/main">
   <p:cSld>
     <p:spTree>
@@ -4411,6 +4704,25 @@
             <a:r>
               <a:rPr lang="en-US" dirty="0"/>
               <a:t>Really?</a:t>
+            </a:r>
+          </a:p>
+          <a:p>
+            <a:r>
+              <a:rPr lang="en-US" dirty="0"/>
+              <a:t>Do you think grades really measure how much you know about the subject?</a:t>
+            </a:r>
+          </a:p>
+          <a:p>
+            <a:pPr lvl="1"/>
+            <a:r>
+              <a:rPr lang="en-US" dirty="0"/>
+              <a:t>Or do you do what needs to be done to get the grade without actually learning anything?</a:t>
+            </a:r>
+          </a:p>
+          <a:p>
+            <a:r>
+              <a:rPr lang="en-US" dirty="0"/>
+              <a:t>This is why I many people are trying to switch to Task List style learning objectives.</a:t>
             </a:r>
           </a:p>
         </p:txBody>
@@ -4513,6 +4825,135 @@
                       </p:childTnLst>
                     </p:cTn>
                   </p:par>
+                  <p:par>
+                    <p:cTn id="9" fill="hold">
+                      <p:stCondLst>
+                        <p:cond delay="indefinite"/>
+                      </p:stCondLst>
+                      <p:childTnLst>
+                        <p:par>
+                          <p:cTn id="10" fill="hold">
+                            <p:stCondLst>
+                              <p:cond delay="0"/>
+                            </p:stCondLst>
+                            <p:childTnLst>
+                              <p:par>
+                                <p:cTn id="11" presetID="1" presetClass="entr" presetSubtype="0" fill="hold" grpId="0" nodeType="clickEffect">
+                                  <p:stCondLst>
+                                    <p:cond delay="0"/>
+                                  </p:stCondLst>
+                                  <p:childTnLst>
+                                    <p:set>
+                                      <p:cBhvr>
+                                        <p:cTn id="12" dur="1" fill="hold">
+                                          <p:stCondLst>
+                                            <p:cond delay="0"/>
+                                          </p:stCondLst>
+                                        </p:cTn>
+                                        <p:tgtEl>
+                                          <p:spTgt spid="3">
+                                            <p:txEl>
+                                              <p:pRg st="2" end="2"/>
+                                            </p:txEl>
+                                          </p:spTgt>
+                                        </p:tgtEl>
+                                        <p:attrNameLst>
+                                          <p:attrName>style.visibility</p:attrName>
+                                        </p:attrNameLst>
+                                      </p:cBhvr>
+                                      <p:to>
+                                        <p:strVal val="visible"/>
+                                      </p:to>
+                                    </p:set>
+                                  </p:childTnLst>
+                                </p:cTn>
+                              </p:par>
+                              <p:par>
+                                <p:cTn id="13" presetID="1" presetClass="entr" presetSubtype="0" fill="hold" grpId="0" nodeType="withEffect">
+                                  <p:stCondLst>
+                                    <p:cond delay="0"/>
+                                  </p:stCondLst>
+                                  <p:childTnLst>
+                                    <p:set>
+                                      <p:cBhvr>
+                                        <p:cTn id="14" dur="1" fill="hold">
+                                          <p:stCondLst>
+                                            <p:cond delay="0"/>
+                                          </p:stCondLst>
+                                        </p:cTn>
+                                        <p:tgtEl>
+                                          <p:spTgt spid="3">
+                                            <p:txEl>
+                                              <p:pRg st="3" end="3"/>
+                                            </p:txEl>
+                                          </p:spTgt>
+                                        </p:tgtEl>
+                                        <p:attrNameLst>
+                                          <p:attrName>style.visibility</p:attrName>
+                                        </p:attrNameLst>
+                                      </p:cBhvr>
+                                      <p:to>
+                                        <p:strVal val="visible"/>
+                                      </p:to>
+                                    </p:set>
+                                  </p:childTnLst>
+                                </p:cTn>
+                              </p:par>
+                            </p:childTnLst>
+                          </p:cTn>
+                        </p:par>
+                      </p:childTnLst>
+                    </p:cTn>
+                  </p:par>
+                  <p:par>
+                    <p:cTn id="15" fill="hold">
+                      <p:stCondLst>
+                        <p:cond delay="indefinite"/>
+                      </p:stCondLst>
+                      <p:childTnLst>
+                        <p:par>
+                          <p:cTn id="16" fill="hold">
+                            <p:stCondLst>
+                              <p:cond delay="0"/>
+                            </p:stCondLst>
+                            <p:childTnLst>
+                              <p:par>
+                                <p:cTn id="17" presetID="1" presetClass="entr" presetSubtype="0" fill="hold" grpId="0" nodeType="clickEffect">
+                                  <p:stCondLst>
+                                    <p:cond delay="0"/>
+                                  </p:stCondLst>
+                                  <p:childTnLst>
+                                    <p:set>
+                                      <p:cBhvr>
+                                        <p:cTn id="18" dur="1" fill="hold">
+                                          <p:stCondLst>
+                                            <p:cond delay="0"/>
+                                          </p:stCondLst>
+                                        </p:cTn>
+                                        <p:tgtEl>
+                                          <p:spTgt spid="3">
+                                            <p:txEl>
+                                              <p:pRg st="4" end="4"/>
+                                            </p:txEl>
+                                          </p:spTgt>
+                                        </p:tgtEl>
+                                        <p:attrNameLst>
+                                          <p:attrName>style.visibility</p:attrName>
+                                        </p:attrNameLst>
+                                      </p:cBhvr>
+                                      <p:to>
+                                        <p:strVal val="visible"/>
+                                      </p:to>
+                                    </p:set>
+                                  </p:childTnLst>
+                                </p:cTn>
+                              </p:par>
+                            </p:childTnLst>
+                          </p:cTn>
+                        </p:par>
+                      </p:childTnLst>
+                    </p:cTn>
+                  </p:par>
                 </p:childTnLst>
               </p:cTn>
               <p:prevCondLst>
@@ -4541,7 +4982,7 @@
 </p:sld>
 </file>
 
-<file path=ppt/slides/slide5.xml><?xml version="1.0" encoding="utf-8"?>
+<file path=ppt/slides/slide6.xml><?xml version="1.0" encoding="utf-8"?>
 <p:sld xmlns:a="http://schemas.openxmlformats.org/drawingml/2006/main" xmlns:r="http://schemas.openxmlformats.org/officeDocument/2006/relationships" xmlns:p="http://schemas.openxmlformats.org/presentationml/2006/main">
   <p:cSld>
     <p:spTree>
@@ -5323,6 +5764,21 @@
 </file>
 
 <file path=customXml/item1.xml><?xml version="1.0" encoding="utf-8"?>
+<?mso-contentType ?>
+<FormTemplates xmlns="http://schemas.microsoft.com/sharepoint/v3/contenttype/forms">
+  <Display>DocumentLibraryForm</Display>
+  <Edit>DocumentLibraryForm</Edit>
+  <New>DocumentLibraryForm</New>
+</FormTemplates>
+</file>
+
+<file path=customXml/item2.xml><?xml version="1.0" encoding="utf-8"?>
+<p:properties xmlns:p="http://schemas.microsoft.com/office/2006/metadata/properties" xmlns:xsi="http://www.w3.org/2001/XMLSchema-instance" xmlns:pc="http://schemas.microsoft.com/office/infopath/2007/PartnerControls">
+  <documentManagement/>
+</p:properties>
+</file>
+
+<file path=customXml/item3.xml><?xml version="1.0" encoding="utf-8"?>
 <ct:contentTypeSchema xmlns:ct="http://schemas.microsoft.com/office/2006/metadata/contentType" xmlns:ma="http://schemas.microsoft.com/office/2006/metadata/properties/metaAttributes" ct:_="" ma:_="" ma:contentTypeName="Document" ma:contentTypeID="0x010100ABA223F759147049B9D8A25DED07DD24" ma:contentTypeVersion="14" ma:contentTypeDescription="Create a new document." ma:contentTypeScope="" ma:versionID="754cccfe17833f4d06e0267dc9c12ab7">
   <xsd:schema xmlns:xsd="http://www.w3.org/2001/XMLSchema" xmlns:xs="http://www.w3.org/2001/XMLSchema" xmlns:p="http://schemas.microsoft.com/office/2006/metadata/properties" xmlns:ns3="cc9255bc-4d99-4f42-bba5-857cbcc6e725" xmlns:ns4="fc2bff61-6a31-4c51-9f32-b9bba46405e5" targetNamespace="http://schemas.microsoft.com/office/2006/metadata/properties" ma:root="true" ma:fieldsID="e32414dc8724dfdc561355c14801bc84" ns3:_="" ns4:_="">
     <xsd:import namespace="cc9255bc-4d99-4f42-bba5-857cbcc6e725"/>
@@ -5551,22 +6007,32 @@
 </ct:contentTypeSchema>
 </file>
 
-<file path=customXml/item2.xml><?xml version="1.0" encoding="utf-8"?>
-<p:properties xmlns:p="http://schemas.microsoft.com/office/2006/metadata/properties" xmlns:xsi="http://www.w3.org/2001/XMLSchema-instance" xmlns:pc="http://schemas.microsoft.com/office/infopath/2007/PartnerControls">
-  <documentManagement/>
-</p:properties>
+<file path=customXml/itemProps1.xml><?xml version="1.0" encoding="utf-8"?>
+<ds:datastoreItem xmlns:ds="http://schemas.openxmlformats.org/officeDocument/2006/customXml" ds:itemID="{25D40DEA-7EBA-4BAD-889F-9F3DBF83D2C8}">
+  <ds:schemaRefs>
+    <ds:schemaRef ds:uri="http://schemas.microsoft.com/sharepoint/v3/contenttype/forms"/>
+  </ds:schemaRefs>
+</ds:datastoreItem>
 </file>
 
-<file path=customXml/item3.xml><?xml version="1.0" encoding="utf-8"?>
-<?mso-contentType ?>
-<FormTemplates xmlns="http://schemas.microsoft.com/sharepoint/v3/contenttype/forms">
-  <Display>DocumentLibraryForm</Display>
-  <Edit>DocumentLibraryForm</Edit>
-  <New>DocumentLibraryForm</New>
-</FormTemplates>
+<file path=customXml/itemProps2.xml><?xml version="1.0" encoding="utf-8"?>
+<ds:datastoreItem xmlns:ds="http://schemas.openxmlformats.org/officeDocument/2006/customXml" ds:itemID="{C469B182-D45D-420B-AB11-71017FD05BB2}">
+  <ds:schemaRefs>
+    <ds:schemaRef ds:uri="cc9255bc-4d99-4f42-bba5-857cbcc6e725"/>
+    <ds:schemaRef ds:uri="http://schemas.microsoft.com/office/infopath/2007/PartnerControls"/>
+    <ds:schemaRef ds:uri="http://schemas.microsoft.com/office/2006/documentManagement/types"/>
+    <ds:schemaRef ds:uri="http://schemas.openxmlformats.org/package/2006/metadata/core-properties"/>
+    <ds:schemaRef ds:uri="http://purl.org/dc/elements/1.1/"/>
+    <ds:schemaRef ds:uri="http://www.w3.org/XML/1998/namespace"/>
+    <ds:schemaRef ds:uri="http://purl.org/dc/terms/"/>
+    <ds:schemaRef ds:uri="fc2bff61-6a31-4c51-9f32-b9bba46405e5"/>
+    <ds:schemaRef ds:uri="http://schemas.microsoft.com/office/2006/metadata/properties"/>
+    <ds:schemaRef ds:uri="http://purl.org/dc/dcmitype/"/>
+  </ds:schemaRefs>
+</ds:datastoreItem>
 </file>
 
-<file path=customXml/itemProps1.xml><?xml version="1.0" encoding="utf-8"?>
+<file path=customXml/itemProps3.xml><?xml version="1.0" encoding="utf-8"?>
 <ds:datastoreItem xmlns:ds="http://schemas.openxmlformats.org/officeDocument/2006/customXml" ds:itemID="{923822C1-682B-485C-8FD1-DF40FC3F0D06}">
   <ds:schemaRefs>
     <ds:schemaRef ds:uri="http://schemas.microsoft.com/office/2006/metadata/contentType"/>
@@ -5583,29 +6049,4 @@
     <ds:schemaRef ds:uri="http://schemas.microsoft.com/internal/obd"/>
   </ds:schemaRefs>
 </ds:datastoreItem>
-</file>
-
-<file path=customXml/itemProps2.xml><?xml version="1.0" encoding="utf-8"?>
-<ds:datastoreItem xmlns:ds="http://schemas.openxmlformats.org/officeDocument/2006/customXml" ds:itemID="{C469B182-D45D-420B-AB11-71017FD05BB2}">
-  <ds:schemaRefs>
-    <ds:schemaRef ds:uri="http://purl.org/dc/elements/1.1/"/>
-    <ds:schemaRef ds:uri="http://purl.org/dc/terms/"/>
-    <ds:schemaRef ds:uri="fc2bff61-6a31-4c51-9f32-b9bba46405e5"/>
-    <ds:schemaRef ds:uri="cc9255bc-4d99-4f42-bba5-857cbcc6e725"/>
-    <ds:schemaRef ds:uri="http://schemas.microsoft.com/office/infopath/2007/PartnerControls"/>
-    <ds:schemaRef ds:uri="http://schemas.openxmlformats.org/package/2006/metadata/core-properties"/>
-    <ds:schemaRef ds:uri="http://schemas.microsoft.com/office/2006/metadata/properties"/>
-    <ds:schemaRef ds:uri="http://schemas.microsoft.com/office/2006/documentManagement/types"/>
-    <ds:schemaRef ds:uri="http://www.w3.org/XML/1998/namespace"/>
-    <ds:schemaRef ds:uri="http://purl.org/dc/dcmitype/"/>
-  </ds:schemaRefs>
-</ds:datastoreItem>
-</file>
-
-<file path=customXml/itemProps3.xml><?xml version="1.0" encoding="utf-8"?>
-<ds:datastoreItem xmlns:ds="http://schemas.openxmlformats.org/officeDocument/2006/customXml" ds:itemID="{25D40DEA-7EBA-4BAD-889F-9F3DBF83D2C8}">
-  <ds:schemaRefs>
-    <ds:schemaRef ds:uri="http://schemas.microsoft.com/sharepoint/v3/contenttype/forms"/>
-  </ds:schemaRefs>
-</ds:datastoreItem>
 </file>
--- a/docpac_03160922/Weekly Review.pptx
+++ b/docpac_03160922/Weekly Review.pptx
@@ -152,7 +152,7 @@
   <pc:docChgLst>
     <pc:chgData name="SMITH, CHRISTOPHER" userId="dd7fc2d5-9988-40ef-9498-c94fd49fd9a4" providerId="ADAL" clId="{7D283E37-09F9-4DA8-A504-3BA28B73B2AF}"/>
     <pc:docChg chg="custSel addSld delSld modSld sldOrd">
-      <pc:chgData name="SMITH, CHRISTOPHER" userId="dd7fc2d5-9988-40ef-9498-c94fd49fd9a4" providerId="ADAL" clId="{7D283E37-09F9-4DA8-A504-3BA28B73B2AF}" dt="2022-09-12T10:38:30.338" v="2426"/>
+      <pc:chgData name="SMITH, CHRISTOPHER" userId="dd7fc2d5-9988-40ef-9498-c94fd49fd9a4" providerId="ADAL" clId="{7D283E37-09F9-4DA8-A504-3BA28B73B2AF}" dt="2022-09-12T10:46:30.335" v="3035" actId="20577"/>
       <pc:docMkLst>
         <pc:docMk/>
       </pc:docMkLst>
@@ -311,7 +311,7 @@
         </pc:sldMkLst>
       </pc:sldChg>
       <pc:sldChg chg="modSp add modAnim">
-        <pc:chgData name="SMITH, CHRISTOPHER" userId="dd7fc2d5-9988-40ef-9498-c94fd49fd9a4" providerId="ADAL" clId="{7D283E37-09F9-4DA8-A504-3BA28B73B2AF}" dt="2022-09-12T10:38:30.338" v="2426"/>
+        <pc:chgData name="SMITH, CHRISTOPHER" userId="dd7fc2d5-9988-40ef-9498-c94fd49fd9a4" providerId="ADAL" clId="{7D283E37-09F9-4DA8-A504-3BA28B73B2AF}" dt="2022-09-12T10:46:30.335" v="3035" actId="20577"/>
         <pc:sldMkLst>
           <pc:docMk/>
           <pc:sldMk cId="4243443581" sldId="270"/>
@@ -325,7 +325,7 @@
           </ac:spMkLst>
         </pc:spChg>
         <pc:spChg chg="mod">
-          <ac:chgData name="SMITH, CHRISTOPHER" userId="dd7fc2d5-9988-40ef-9498-c94fd49fd9a4" providerId="ADAL" clId="{7D283E37-09F9-4DA8-A504-3BA28B73B2AF}" dt="2022-09-12T10:36:39.021" v="2153" actId="20577"/>
+          <ac:chgData name="SMITH, CHRISTOPHER" userId="dd7fc2d5-9988-40ef-9498-c94fd49fd9a4" providerId="ADAL" clId="{7D283E37-09F9-4DA8-A504-3BA28B73B2AF}" dt="2022-09-12T10:46:30.335" v="3035" actId="20577"/>
           <ac:spMkLst>
             <pc:docMk/>
             <pc:sldMk cId="4243443581" sldId="270"/>
@@ -3697,7 +3697,9 @@
         </p:nvSpPr>
         <p:spPr/>
         <p:txBody>
-          <a:bodyPr/>
+          <a:bodyPr>
+            <a:normAutofit fontScale="92500" lnSpcReduction="20000"/>
+          </a:bodyPr>
           <a:lstStyle/>
           <a:p>
             <a:r>
@@ -3725,6 +3727,50 @@
               <a:rPr lang="en-US" dirty="0"/>
               <a:t>Please check your Schoology and Microsoft teams</a:t>
             </a:r>
+          </a:p>
+          <a:p>
+            <a:r>
+              <a:rPr lang="en-US" dirty="0"/>
+              <a:t>One Senior will be acting as a Junior this week. I have messaged them privately. If you are approached by another Senior looking for a Senior, please be helpful to them this week.</a:t>
+            </a:r>
+          </a:p>
+          <a:p>
+            <a:r>
+              <a:rPr lang="en-US" dirty="0"/>
+              <a:t>Because it is so busy this week, do not print </a:t>
+            </a:r>
+            <a:r>
+              <a:rPr lang="en-US" dirty="0" err="1"/>
+              <a:t>DocPacs</a:t>
+            </a:r>
+            <a:r>
+              <a:rPr lang="en-US" dirty="0"/>
+              <a:t> yet. Read the digital versions until I return and I will print for you.</a:t>
+            </a:r>
+          </a:p>
+          <a:p>
+            <a:r>
+              <a:rPr lang="en-US" dirty="0"/>
+              <a:t>Do not break the classroom rules. NO CELL PHONES!</a:t>
+            </a:r>
+          </a:p>
+          <a:p>
+            <a:pPr lvl="1"/>
+            <a:r>
+              <a:rPr lang="en-US" dirty="0"/>
+              <a:t>I will be writing discipline referrals.</a:t>
+            </a:r>
+          </a:p>
+          <a:p>
+            <a:r>
+              <a:rPr lang="en-US" dirty="0"/>
+              <a:t>If I don’t have any reports of cell phones or broken rules I will give the </a:t>
+            </a:r>
+            <a:r>
+              <a:rPr lang="en-US"/>
+              <a:t>whole class pogs.</a:t>
+            </a:r>
+            <a:endParaRPr lang="en-US" dirty="0"/>
           </a:p>
         </p:txBody>
       </p:sp>
@@ -3855,6 +3901,233 @@
                                           <p:spTgt spid="3">
                                             <p:txEl>
                                               <p:pRg st="2" end="2"/>
+                                            </p:txEl>
+                                          </p:spTgt>
+                                        </p:tgtEl>
+                                        <p:attrNameLst>
+                                          <p:attrName>style.visibility</p:attrName>
+                                        </p:attrNameLst>
+                                      </p:cBhvr>
+                                      <p:to>
+                                        <p:strVal val="visible"/>
+                                      </p:to>
+                                    </p:set>
+                                  </p:childTnLst>
+                                </p:cTn>
+                              </p:par>
+                            </p:childTnLst>
+                          </p:cTn>
+                        </p:par>
+                      </p:childTnLst>
+                    </p:cTn>
+                  </p:par>
+                  <p:par>
+                    <p:cTn id="13" fill="hold">
+                      <p:stCondLst>
+                        <p:cond delay="indefinite"/>
+                      </p:stCondLst>
+                      <p:childTnLst>
+                        <p:par>
+                          <p:cTn id="14" fill="hold">
+                            <p:stCondLst>
+                              <p:cond delay="0"/>
+                            </p:stCondLst>
+                            <p:childTnLst>
+                              <p:par>
+                                <p:cTn id="15" presetID="1" presetClass="entr" presetSubtype="0" fill="hold" grpId="0" nodeType="clickEffect">
+                                  <p:stCondLst>
+                                    <p:cond delay="0"/>
+                                  </p:stCondLst>
+                                  <p:childTnLst>
+                                    <p:set>
+                                      <p:cBhvr>
+                                        <p:cTn id="16" dur="1" fill="hold">
+                                          <p:stCondLst>
+                                            <p:cond delay="0"/>
+                                          </p:stCondLst>
+                                        </p:cTn>
+                                        <p:tgtEl>
+                                          <p:spTgt spid="3">
+                                            <p:txEl>
+                                              <p:pRg st="3" end="3"/>
+                                            </p:txEl>
+                                          </p:spTgt>
+                                        </p:tgtEl>
+                                        <p:attrNameLst>
+                                          <p:attrName>style.visibility</p:attrName>
+                                        </p:attrNameLst>
+                                      </p:cBhvr>
+                                      <p:to>
+                                        <p:strVal val="visible"/>
+                                      </p:to>
+                                    </p:set>
+                                  </p:childTnLst>
+                                </p:cTn>
+                              </p:par>
+                            </p:childTnLst>
+                          </p:cTn>
+                        </p:par>
+                      </p:childTnLst>
+                    </p:cTn>
+                  </p:par>
+                  <p:par>
+                    <p:cTn id="17" fill="hold">
+                      <p:stCondLst>
+                        <p:cond delay="indefinite"/>
+                      </p:stCondLst>
+                      <p:childTnLst>
+                        <p:par>
+                          <p:cTn id="18" fill="hold">
+                            <p:stCondLst>
+                              <p:cond delay="0"/>
+                            </p:stCondLst>
+                            <p:childTnLst>
+                              <p:par>
+                                <p:cTn id="19" presetID="1" presetClass="entr" presetSubtype="0" fill="hold" grpId="0" nodeType="clickEffect">
+                                  <p:stCondLst>
+                                    <p:cond delay="0"/>
+                                  </p:stCondLst>
+                                  <p:childTnLst>
+                                    <p:set>
+                                      <p:cBhvr>
+                                        <p:cTn id="20" dur="1" fill="hold">
+                                          <p:stCondLst>
+                                            <p:cond delay="0"/>
+                                          </p:stCondLst>
+                                        </p:cTn>
+                                        <p:tgtEl>
+                                          <p:spTgt spid="3">
+                                            <p:txEl>
+                                              <p:pRg st="4" end="4"/>
+                                            </p:txEl>
+                                          </p:spTgt>
+                                        </p:tgtEl>
+                                        <p:attrNameLst>
+                                          <p:attrName>style.visibility</p:attrName>
+                                        </p:attrNameLst>
+                                      </p:cBhvr>
+                                      <p:to>
+                                        <p:strVal val="visible"/>
+                                      </p:to>
+                                    </p:set>
+                                  </p:childTnLst>
+                                </p:cTn>
+                              </p:par>
+                            </p:childTnLst>
+                          </p:cTn>
+                        </p:par>
+                      </p:childTnLst>
+                    </p:cTn>
+                  </p:par>
+                  <p:par>
+                    <p:cTn id="21" fill="hold">
+                      <p:stCondLst>
+                        <p:cond delay="indefinite"/>
+                      </p:stCondLst>
+                      <p:childTnLst>
+                        <p:par>
+                          <p:cTn id="22" fill="hold">
+                            <p:stCondLst>
+                              <p:cond delay="0"/>
+                            </p:stCondLst>
+                            <p:childTnLst>
+                              <p:par>
+                                <p:cTn id="23" presetID="1" presetClass="entr" presetSubtype="0" fill="hold" grpId="0" nodeType="clickEffect">
+                                  <p:stCondLst>
+                                    <p:cond delay="0"/>
+                                  </p:stCondLst>
+                                  <p:childTnLst>
+                                    <p:set>
+                                      <p:cBhvr>
+                                        <p:cTn id="24" dur="1" fill="hold">
+                                          <p:stCondLst>
+                                            <p:cond delay="0"/>
+                                          </p:stCondLst>
+                                        </p:cTn>
+                                        <p:tgtEl>
+                                          <p:spTgt spid="3">
+                                            <p:txEl>
+                                              <p:pRg st="5" end="5"/>
+                                            </p:txEl>
+                                          </p:spTgt>
+                                        </p:tgtEl>
+                                        <p:attrNameLst>
+                                          <p:attrName>style.visibility</p:attrName>
+                                        </p:attrNameLst>
+                                      </p:cBhvr>
+                                      <p:to>
+                                        <p:strVal val="visible"/>
+                                      </p:to>
+                                    </p:set>
+                                  </p:childTnLst>
+                                </p:cTn>
+                              </p:par>
+                              <p:par>
+                                <p:cTn id="25" presetID="1" presetClass="entr" presetSubtype="0" fill="hold" grpId="0" nodeType="withEffect">
+                                  <p:stCondLst>
+                                    <p:cond delay="0"/>
+                                  </p:stCondLst>
+                                  <p:childTnLst>
+                                    <p:set>
+                                      <p:cBhvr>
+                                        <p:cTn id="26" dur="1" fill="hold">
+                                          <p:stCondLst>
+                                            <p:cond delay="0"/>
+                                          </p:stCondLst>
+                                        </p:cTn>
+                                        <p:tgtEl>
+                                          <p:spTgt spid="3">
+                                            <p:txEl>
+                                              <p:pRg st="6" end="6"/>
+                                            </p:txEl>
+                                          </p:spTgt>
+                                        </p:tgtEl>
+                                        <p:attrNameLst>
+                                          <p:attrName>style.visibility</p:attrName>
+                                        </p:attrNameLst>
+                                      </p:cBhvr>
+                                      <p:to>
+                                        <p:strVal val="visible"/>
+                                      </p:to>
+                                    </p:set>
+                                  </p:childTnLst>
+                                </p:cTn>
+                              </p:par>
+                            </p:childTnLst>
+                          </p:cTn>
+                        </p:par>
+                      </p:childTnLst>
+                    </p:cTn>
+                  </p:par>
+                  <p:par>
+                    <p:cTn id="27" fill="hold">
+                      <p:stCondLst>
+                        <p:cond delay="indefinite"/>
+                      </p:stCondLst>
+                      <p:childTnLst>
+                        <p:par>
+                          <p:cTn id="28" fill="hold">
+                            <p:stCondLst>
+                              <p:cond delay="0"/>
+                            </p:stCondLst>
+                            <p:childTnLst>
+                              <p:par>
+                                <p:cTn id="29" presetID="1" presetClass="entr" presetSubtype="0" fill="hold" grpId="0" nodeType="clickEffect">
+                                  <p:stCondLst>
+                                    <p:cond delay="0"/>
+                                  </p:stCondLst>
+                                  <p:childTnLst>
+                                    <p:set>
+                                      <p:cBhvr>
+                                        <p:cTn id="30" dur="1" fill="hold">
+                                          <p:stCondLst>
+                                            <p:cond delay="0"/>
+                                          </p:stCondLst>
+                                        </p:cTn>
+                                        <p:tgtEl>
+                                          <p:spTgt spid="3">
+                                            <p:txEl>
+                                              <p:pRg st="7" end="7"/>
                                             </p:txEl>
                                           </p:spTgt>
                                         </p:tgtEl>
@@ -5764,21 +6037,6 @@
 </file>
 
 <file path=customXml/item1.xml><?xml version="1.0" encoding="utf-8"?>
-<?mso-contentType ?>
-<FormTemplates xmlns="http://schemas.microsoft.com/sharepoint/v3/contenttype/forms">
-  <Display>DocumentLibraryForm</Display>
-  <Edit>DocumentLibraryForm</Edit>
-  <New>DocumentLibraryForm</New>
-</FormTemplates>
-</file>
-
-<file path=customXml/item2.xml><?xml version="1.0" encoding="utf-8"?>
-<p:properties xmlns:p="http://schemas.microsoft.com/office/2006/metadata/properties" xmlns:xsi="http://www.w3.org/2001/XMLSchema-instance" xmlns:pc="http://schemas.microsoft.com/office/infopath/2007/PartnerControls">
-  <documentManagement/>
-</p:properties>
-</file>
-
-<file path=customXml/item3.xml><?xml version="1.0" encoding="utf-8"?>
 <ct:contentTypeSchema xmlns:ct="http://schemas.microsoft.com/office/2006/metadata/contentType" xmlns:ma="http://schemas.microsoft.com/office/2006/metadata/properties/metaAttributes" ct:_="" ma:_="" ma:contentTypeName="Document" ma:contentTypeID="0x010100ABA223F759147049B9D8A25DED07DD24" ma:contentTypeVersion="14" ma:contentTypeDescription="Create a new document." ma:contentTypeScope="" ma:versionID="754cccfe17833f4d06e0267dc9c12ab7">
   <xsd:schema xmlns:xsd="http://www.w3.org/2001/XMLSchema" xmlns:xs="http://www.w3.org/2001/XMLSchema" xmlns:p="http://schemas.microsoft.com/office/2006/metadata/properties" xmlns:ns3="cc9255bc-4d99-4f42-bba5-857cbcc6e725" xmlns:ns4="fc2bff61-6a31-4c51-9f32-b9bba46405e5" targetNamespace="http://schemas.microsoft.com/office/2006/metadata/properties" ma:root="true" ma:fieldsID="e32414dc8724dfdc561355c14801bc84" ns3:_="" ns4:_="">
     <xsd:import namespace="cc9255bc-4d99-4f42-bba5-857cbcc6e725"/>
@@ -6007,32 +6265,22 @@
 </ct:contentTypeSchema>
 </file>
 
-<file path=customXml/itemProps1.xml><?xml version="1.0" encoding="utf-8"?>
-<ds:datastoreItem xmlns:ds="http://schemas.openxmlformats.org/officeDocument/2006/customXml" ds:itemID="{25D40DEA-7EBA-4BAD-889F-9F3DBF83D2C8}">
-  <ds:schemaRefs>
-    <ds:schemaRef ds:uri="http://schemas.microsoft.com/sharepoint/v3/contenttype/forms"/>
-  </ds:schemaRefs>
-</ds:datastoreItem>
+<file path=customXml/item2.xml><?xml version="1.0" encoding="utf-8"?>
+<p:properties xmlns:p="http://schemas.microsoft.com/office/2006/metadata/properties" xmlns:xsi="http://www.w3.org/2001/XMLSchema-instance" xmlns:pc="http://schemas.microsoft.com/office/infopath/2007/PartnerControls">
+  <documentManagement/>
+</p:properties>
 </file>
 
-<file path=customXml/itemProps2.xml><?xml version="1.0" encoding="utf-8"?>
-<ds:datastoreItem xmlns:ds="http://schemas.openxmlformats.org/officeDocument/2006/customXml" ds:itemID="{C469B182-D45D-420B-AB11-71017FD05BB2}">
-  <ds:schemaRefs>
-    <ds:schemaRef ds:uri="cc9255bc-4d99-4f42-bba5-857cbcc6e725"/>
-    <ds:schemaRef ds:uri="http://schemas.microsoft.com/office/infopath/2007/PartnerControls"/>
-    <ds:schemaRef ds:uri="http://schemas.microsoft.com/office/2006/documentManagement/types"/>
-    <ds:schemaRef ds:uri="http://schemas.openxmlformats.org/package/2006/metadata/core-properties"/>
-    <ds:schemaRef ds:uri="http://purl.org/dc/elements/1.1/"/>
-    <ds:schemaRef ds:uri="http://www.w3.org/XML/1998/namespace"/>
-    <ds:schemaRef ds:uri="http://purl.org/dc/terms/"/>
-    <ds:schemaRef ds:uri="fc2bff61-6a31-4c51-9f32-b9bba46405e5"/>
-    <ds:schemaRef ds:uri="http://schemas.microsoft.com/office/2006/metadata/properties"/>
-    <ds:schemaRef ds:uri="http://purl.org/dc/dcmitype/"/>
-  </ds:schemaRefs>
-</ds:datastoreItem>
+<file path=customXml/item3.xml><?xml version="1.0" encoding="utf-8"?>
+<?mso-contentType ?>
+<FormTemplates xmlns="http://schemas.microsoft.com/sharepoint/v3/contenttype/forms">
+  <Display>DocumentLibraryForm</Display>
+  <Edit>DocumentLibraryForm</Edit>
+  <New>DocumentLibraryForm</New>
+</FormTemplates>
 </file>
 
-<file path=customXml/itemProps3.xml><?xml version="1.0" encoding="utf-8"?>
+<file path=customXml/itemProps1.xml><?xml version="1.0" encoding="utf-8"?>
 <ds:datastoreItem xmlns:ds="http://schemas.openxmlformats.org/officeDocument/2006/customXml" ds:itemID="{923822C1-682B-485C-8FD1-DF40FC3F0D06}">
   <ds:schemaRefs>
     <ds:schemaRef ds:uri="http://schemas.microsoft.com/office/2006/metadata/contentType"/>
@@ -6049,4 +6297,29 @@
     <ds:schemaRef ds:uri="http://schemas.microsoft.com/internal/obd"/>
   </ds:schemaRefs>
 </ds:datastoreItem>
+</file>
+
+<file path=customXml/itemProps2.xml><?xml version="1.0" encoding="utf-8"?>
+<ds:datastoreItem xmlns:ds="http://schemas.openxmlformats.org/officeDocument/2006/customXml" ds:itemID="{C469B182-D45D-420B-AB11-71017FD05BB2}">
+  <ds:schemaRefs>
+    <ds:schemaRef ds:uri="http://schemas.microsoft.com/office/2006/metadata/properties"/>
+    <ds:schemaRef ds:uri="http://purl.org/dc/terms/"/>
+    <ds:schemaRef ds:uri="http://schemas.openxmlformats.org/package/2006/metadata/core-properties"/>
+    <ds:schemaRef ds:uri="http://purl.org/dc/dcmitype/"/>
+    <ds:schemaRef ds:uri="http://purl.org/dc/elements/1.1/"/>
+    <ds:schemaRef ds:uri="http://www.w3.org/XML/1998/namespace"/>
+    <ds:schemaRef ds:uri="http://schemas.microsoft.com/office/2006/documentManagement/types"/>
+    <ds:schemaRef ds:uri="http://schemas.microsoft.com/office/infopath/2007/PartnerControls"/>
+    <ds:schemaRef ds:uri="fc2bff61-6a31-4c51-9f32-b9bba46405e5"/>
+    <ds:schemaRef ds:uri="cc9255bc-4d99-4f42-bba5-857cbcc6e725"/>
+  </ds:schemaRefs>
+</ds:datastoreItem>
+</file>
+
+<file path=customXml/itemProps3.xml><?xml version="1.0" encoding="utf-8"?>
+<ds:datastoreItem xmlns:ds="http://schemas.openxmlformats.org/officeDocument/2006/customXml" ds:itemID="{25D40DEA-7EBA-4BAD-889F-9F3DBF83D2C8}">
+  <ds:schemaRefs>
+    <ds:schemaRef ds:uri="http://schemas.microsoft.com/sharepoint/v3/contenttype/forms"/>
+  </ds:schemaRefs>
+</ds:datastoreItem>
 </file>